--- a/1. presentasi/Presentasi Monef.pptx
+++ b/1. presentasi/Presentasi Monef.pptx
@@ -10,7 +10,9 @@
     <p:sldId id="261" r:id="rId4"/>
     <p:sldId id="258" r:id="rId5"/>
     <p:sldId id="259" r:id="rId6"/>
-    <p:sldId id="260" r:id="rId7"/>
+    <p:sldId id="262" r:id="rId7"/>
+    <p:sldId id="263" r:id="rId8"/>
+    <p:sldId id="260" r:id="rId9"/>
   </p:sldIdLst>
   <p:sldSz cx="12192000" cy="6858000"/>
   <p:notesSz cx="6858000" cy="9144000"/>
@@ -268,7 +270,7 @@
           <a:p>
             <a:fld id="{DFB63E9E-EAE9-4A65-8EB8-2BC32878093F}" type="datetimeFigureOut">
               <a:rPr lang="en-US" smtClean="0"/>
-              <a:t>10/15/2017</a:t>
+              <a:t>10/16/2017</a:t>
             </a:fld>
             <a:endParaRPr lang="en-US"/>
           </a:p>
@@ -466,7 +468,7 @@
           <a:p>
             <a:fld id="{DFB63E9E-EAE9-4A65-8EB8-2BC32878093F}" type="datetimeFigureOut">
               <a:rPr lang="en-US" smtClean="0"/>
-              <a:t>10/15/2017</a:t>
+              <a:t>10/16/2017</a:t>
             </a:fld>
             <a:endParaRPr lang="en-US"/>
           </a:p>
@@ -674,7 +676,7 @@
           <a:p>
             <a:fld id="{DFB63E9E-EAE9-4A65-8EB8-2BC32878093F}" type="datetimeFigureOut">
               <a:rPr lang="en-US" smtClean="0"/>
-              <a:t>10/15/2017</a:t>
+              <a:t>10/16/2017</a:t>
             </a:fld>
             <a:endParaRPr lang="en-US"/>
           </a:p>
@@ -872,7 +874,7 @@
           <a:p>
             <a:fld id="{DFB63E9E-EAE9-4A65-8EB8-2BC32878093F}" type="datetimeFigureOut">
               <a:rPr lang="en-US" smtClean="0"/>
-              <a:t>10/15/2017</a:t>
+              <a:t>10/16/2017</a:t>
             </a:fld>
             <a:endParaRPr lang="en-US"/>
           </a:p>
@@ -1147,7 +1149,7 @@
           <a:p>
             <a:fld id="{DFB63E9E-EAE9-4A65-8EB8-2BC32878093F}" type="datetimeFigureOut">
               <a:rPr lang="en-US" smtClean="0"/>
-              <a:t>10/15/2017</a:t>
+              <a:t>10/16/2017</a:t>
             </a:fld>
             <a:endParaRPr lang="en-US"/>
           </a:p>
@@ -1412,7 +1414,7 @@
           <a:p>
             <a:fld id="{DFB63E9E-EAE9-4A65-8EB8-2BC32878093F}" type="datetimeFigureOut">
               <a:rPr lang="en-US" smtClean="0"/>
-              <a:t>10/15/2017</a:t>
+              <a:t>10/16/2017</a:t>
             </a:fld>
             <a:endParaRPr lang="en-US"/>
           </a:p>
@@ -1824,7 +1826,7 @@
           <a:p>
             <a:fld id="{DFB63E9E-EAE9-4A65-8EB8-2BC32878093F}" type="datetimeFigureOut">
               <a:rPr lang="en-US" smtClean="0"/>
-              <a:t>10/15/2017</a:t>
+              <a:t>10/16/2017</a:t>
             </a:fld>
             <a:endParaRPr lang="en-US"/>
           </a:p>
@@ -1965,7 +1967,7 @@
           <a:p>
             <a:fld id="{DFB63E9E-EAE9-4A65-8EB8-2BC32878093F}" type="datetimeFigureOut">
               <a:rPr lang="en-US" smtClean="0"/>
-              <a:t>10/15/2017</a:t>
+              <a:t>10/16/2017</a:t>
             </a:fld>
             <a:endParaRPr lang="en-US"/>
           </a:p>
@@ -2078,7 +2080,7 @@
           <a:p>
             <a:fld id="{DFB63E9E-EAE9-4A65-8EB8-2BC32878093F}" type="datetimeFigureOut">
               <a:rPr lang="en-US" smtClean="0"/>
-              <a:t>10/15/2017</a:t>
+              <a:t>10/16/2017</a:t>
             </a:fld>
             <a:endParaRPr lang="en-US"/>
           </a:p>
@@ -2389,7 +2391,7 @@
           <a:p>
             <a:fld id="{DFB63E9E-EAE9-4A65-8EB8-2BC32878093F}" type="datetimeFigureOut">
               <a:rPr lang="en-US" smtClean="0"/>
-              <a:t>10/15/2017</a:t>
+              <a:t>10/16/2017</a:t>
             </a:fld>
             <a:endParaRPr lang="en-US"/>
           </a:p>
@@ -2677,7 +2679,7 @@
           <a:p>
             <a:fld id="{DFB63E9E-EAE9-4A65-8EB8-2BC32878093F}" type="datetimeFigureOut">
               <a:rPr lang="en-US" smtClean="0"/>
-              <a:t>10/15/2017</a:t>
+              <a:t>10/16/2017</a:t>
             </a:fld>
             <a:endParaRPr lang="en-US"/>
           </a:p>
@@ -2918,7 +2920,7 @@
           <a:p>
             <a:fld id="{DFB63E9E-EAE9-4A65-8EB8-2BC32878093F}" type="datetimeFigureOut">
               <a:rPr lang="en-US" smtClean="0"/>
-              <a:t>10/15/2017</a:t>
+              <a:t>10/16/2017</a:t>
             </a:fld>
             <a:endParaRPr lang="en-US"/>
           </a:p>
@@ -5415,6 +5417,342 @@
           <p:cNvPr id="2" name="Title 1">
             <a:extLst>
               <a:ext uri="{FF2B5EF4-FFF2-40B4-BE49-F238E27FC236}">
+                <a16:creationId xmlns:a16="http://schemas.microsoft.com/office/drawing/2014/main" id="{50A2B6B5-6DC0-442A-A543-F2324A8445F9}"/>
+              </a:ext>
+            </a:extLst>
+          </p:cNvPr>
+          <p:cNvSpPr>
+            <a:spLocks noGrp="1"/>
+          </p:cNvSpPr>
+          <p:nvPr>
+            <p:ph type="title"/>
+          </p:nvPr>
+        </p:nvSpPr>
+        <p:spPr>
+          <a:xfrm>
+            <a:off x="280219" y="447368"/>
+            <a:ext cx="11533241" cy="555523"/>
+          </a:xfrm>
+        </p:spPr>
+        <p:txBody>
+          <a:bodyPr>
+            <a:noAutofit/>
+          </a:bodyPr>
+          <a:lstStyle/>
+          <a:p>
+            <a:pPr algn="ctr"/>
+            <a:r>
+              <a:rPr lang="en-US" sz="2400" dirty="0" err="1"/>
+              <a:t>Hasil</a:t>
+            </a:r>
+            <a:r>
+              <a:rPr lang="en-US" sz="2400" dirty="0"/>
+              <a:t> </a:t>
+            </a:r>
+            <a:r>
+              <a:rPr lang="en-US" sz="2400" dirty="0" err="1"/>
+              <a:t>Pengenalan</a:t>
+            </a:r>
+            <a:r>
+              <a:rPr lang="en-US" sz="2400" dirty="0"/>
+              <a:t> </a:t>
+            </a:r>
+            <a:r>
+              <a:rPr lang="en-US" sz="2400" dirty="0" err="1"/>
+              <a:t>Huruf</a:t>
+            </a:r>
+            <a:r>
+              <a:rPr lang="en-US" sz="2400" dirty="0"/>
+              <a:t> Arab Tunggal </a:t>
+            </a:r>
+            <a:r>
+              <a:rPr lang="en-US" sz="2400" dirty="0" err="1"/>
+              <a:t>dengan</a:t>
+            </a:r>
+            <a:r>
+              <a:rPr lang="en-US" sz="2400" dirty="0"/>
+              <a:t> Font Times New Roman, </a:t>
+            </a:r>
+            <a:r>
+              <a:rPr lang="en-US" sz="2400" dirty="0" err="1">
+                <a:latin typeface="Calibri" panose="020F0502020204030204" pitchFamily="34" charset="0"/>
+                <a:cs typeface="Calibri" panose="020F0502020204030204" pitchFamily="34" charset="0"/>
+              </a:rPr>
+              <a:t>Akurasi</a:t>
+            </a:r>
+            <a:r>
+              <a:rPr lang="en-US" sz="2400" dirty="0">
+                <a:latin typeface="Calibri" panose="020F0502020204030204" pitchFamily="34" charset="0"/>
+                <a:cs typeface="Calibri" panose="020F0502020204030204" pitchFamily="34" charset="0"/>
+              </a:rPr>
+              <a:t> 100%</a:t>
+            </a:r>
+            <a:endParaRPr lang="en-US" sz="2400" dirty="0"/>
+          </a:p>
+        </p:txBody>
+      </p:sp>
+      <p:pic>
+        <p:nvPicPr>
+          <p:cNvPr id="6" name="Content Placeholder 5">
+            <a:extLst>
+              <a:ext uri="{FF2B5EF4-FFF2-40B4-BE49-F238E27FC236}">
+                <a16:creationId xmlns:a16="http://schemas.microsoft.com/office/drawing/2014/main" id="{427F5FF6-A9D7-422E-94C2-2CE38BD6873A}"/>
+              </a:ext>
+            </a:extLst>
+          </p:cNvPr>
+          <p:cNvPicPr>
+            <a:picLocks noGrp="1" noChangeAspect="1"/>
+          </p:cNvPicPr>
+          <p:nvPr>
+            <p:ph idx="1"/>
+          </p:nvPr>
+        </p:nvPicPr>
+        <p:blipFill>
+          <a:blip r:embed="rId2"/>
+          <a:stretch>
+            <a:fillRect/>
+          </a:stretch>
+        </p:blipFill>
+        <p:spPr>
+          <a:xfrm>
+            <a:off x="929833" y="1368384"/>
+            <a:ext cx="4468076" cy="5058895"/>
+          </a:xfrm>
+        </p:spPr>
+      </p:pic>
+      <p:pic>
+        <p:nvPicPr>
+          <p:cNvPr id="9" name="Picture 8">
+            <a:extLst>
+              <a:ext uri="{FF2B5EF4-FFF2-40B4-BE49-F238E27FC236}">
+                <a16:creationId xmlns:a16="http://schemas.microsoft.com/office/drawing/2014/main" id="{4B09FA3E-995F-465F-8F09-A831A35BA00B}"/>
+              </a:ext>
+            </a:extLst>
+          </p:cNvPr>
+          <p:cNvPicPr>
+            <a:picLocks noChangeAspect="1"/>
+          </p:cNvPicPr>
+          <p:nvPr/>
+        </p:nvPicPr>
+        <p:blipFill>
+          <a:blip r:embed="rId3"/>
+          <a:stretch>
+            <a:fillRect/>
+          </a:stretch>
+        </p:blipFill>
+        <p:spPr>
+          <a:xfrm>
+            <a:off x="6366587" y="1368384"/>
+            <a:ext cx="5260449" cy="4986467"/>
+          </a:xfrm>
+          <a:prstGeom prst="rect">
+            <a:avLst/>
+          </a:prstGeom>
+        </p:spPr>
+      </p:pic>
+    </p:spTree>
+    <p:extLst>
+      <p:ext uri="{BB962C8B-B14F-4D97-AF65-F5344CB8AC3E}">
+        <p14:creationId xmlns:p14="http://schemas.microsoft.com/office/powerpoint/2010/main" val="1218181385"/>
+      </p:ext>
+    </p:extLst>
+  </p:cSld>
+  <p:clrMapOvr>
+    <a:masterClrMapping/>
+  </p:clrMapOvr>
+</p:sld>
+</file>
+
+<file path=ppt/slides/slide7.xml><?xml version="1.0" encoding="utf-8"?>
+<p:sld xmlns:a="http://schemas.openxmlformats.org/drawingml/2006/main" xmlns:r="http://schemas.openxmlformats.org/officeDocument/2006/relationships" xmlns:p="http://schemas.openxmlformats.org/presentationml/2006/main">
+  <p:cSld>
+    <p:spTree>
+      <p:nvGrpSpPr>
+        <p:cNvPr id="1" name=""/>
+        <p:cNvGrpSpPr/>
+        <p:nvPr/>
+      </p:nvGrpSpPr>
+      <p:grpSpPr>
+        <a:xfrm>
+          <a:off x="0" y="0"/>
+          <a:ext cx="0" cy="0"/>
+          <a:chOff x="0" y="0"/>
+          <a:chExt cx="0" cy="0"/>
+        </a:xfrm>
+      </p:grpSpPr>
+      <p:sp>
+        <p:nvSpPr>
+          <p:cNvPr id="2" name="Title 1">
+            <a:extLst>
+              <a:ext uri="{FF2B5EF4-FFF2-40B4-BE49-F238E27FC236}">
+                <a16:creationId xmlns:a16="http://schemas.microsoft.com/office/drawing/2014/main" id="{50A2B6B5-6DC0-442A-A543-F2324A8445F9}"/>
+              </a:ext>
+            </a:extLst>
+          </p:cNvPr>
+          <p:cNvSpPr>
+            <a:spLocks noGrp="1"/>
+          </p:cNvSpPr>
+          <p:nvPr>
+            <p:ph type="title"/>
+          </p:nvPr>
+        </p:nvSpPr>
+        <p:spPr>
+          <a:xfrm>
+            <a:off x="324465" y="447368"/>
+            <a:ext cx="11463316" cy="555523"/>
+          </a:xfrm>
+        </p:spPr>
+        <p:txBody>
+          <a:bodyPr>
+            <a:noAutofit/>
+          </a:bodyPr>
+          <a:lstStyle/>
+          <a:p>
+            <a:pPr algn="ctr"/>
+            <a:r>
+              <a:rPr lang="en-US" sz="2800" dirty="0" err="1"/>
+              <a:t>Hasil</a:t>
+            </a:r>
+            <a:r>
+              <a:rPr lang="en-US" sz="2800" dirty="0"/>
+              <a:t> </a:t>
+            </a:r>
+            <a:r>
+              <a:rPr lang="en-US" sz="2800" dirty="0" err="1"/>
+              <a:t>Pengenalan</a:t>
+            </a:r>
+            <a:r>
+              <a:rPr lang="en-US" sz="2800" dirty="0"/>
+              <a:t> </a:t>
+            </a:r>
+            <a:r>
+              <a:rPr lang="en-US" sz="2800" dirty="0" err="1"/>
+              <a:t>Huruf</a:t>
+            </a:r>
+            <a:r>
+              <a:rPr lang="en-US" sz="2800" dirty="0"/>
+              <a:t> Arab Tunggal </a:t>
+            </a:r>
+            <a:r>
+              <a:rPr lang="en-US" sz="2800" dirty="0" err="1"/>
+              <a:t>dengan</a:t>
+            </a:r>
+            <a:r>
+              <a:rPr lang="en-US" sz="2800" dirty="0"/>
+              <a:t> Font Segoe UI, </a:t>
+            </a:r>
+            <a:r>
+              <a:rPr lang="en-US" sz="2800" dirty="0" err="1">
+                <a:latin typeface="Calibri" panose="020F0502020204030204" pitchFamily="34" charset="0"/>
+                <a:cs typeface="Calibri" panose="020F0502020204030204" pitchFamily="34" charset="0"/>
+              </a:rPr>
+              <a:t>Akurasi</a:t>
+            </a:r>
+            <a:r>
+              <a:rPr lang="en-US" sz="2800" dirty="0">
+                <a:latin typeface="Calibri" panose="020F0502020204030204" pitchFamily="34" charset="0"/>
+                <a:cs typeface="Calibri" panose="020F0502020204030204" pitchFamily="34" charset="0"/>
+              </a:rPr>
+              <a:t> 51%</a:t>
+            </a:r>
+            <a:endParaRPr lang="en-US" sz="2800" dirty="0"/>
+          </a:p>
+        </p:txBody>
+      </p:sp>
+      <p:pic>
+        <p:nvPicPr>
+          <p:cNvPr id="18" name="Content Placeholder 17">
+            <a:extLst>
+              <a:ext uri="{FF2B5EF4-FFF2-40B4-BE49-F238E27FC236}">
+                <a16:creationId xmlns:a16="http://schemas.microsoft.com/office/drawing/2014/main" id="{A9ECA3CC-10E4-4DFE-AC70-718C5DEA74ED}"/>
+              </a:ext>
+            </a:extLst>
+          </p:cNvPr>
+          <p:cNvPicPr>
+            <a:picLocks noGrp="1" noChangeAspect="1"/>
+          </p:cNvPicPr>
+          <p:nvPr>
+            <p:ph idx="1"/>
+          </p:nvPr>
+        </p:nvPicPr>
+        <p:blipFill>
+          <a:blip r:embed="rId2"/>
+          <a:stretch>
+            <a:fillRect/>
+          </a:stretch>
+        </p:blipFill>
+        <p:spPr>
+          <a:xfrm>
+            <a:off x="746823" y="1366190"/>
+            <a:ext cx="5476997" cy="5092325"/>
+          </a:xfrm>
+        </p:spPr>
+      </p:pic>
+      <p:pic>
+        <p:nvPicPr>
+          <p:cNvPr id="20" name="Picture 19">
+            <a:extLst>
+              <a:ext uri="{FF2B5EF4-FFF2-40B4-BE49-F238E27FC236}">
+                <a16:creationId xmlns:a16="http://schemas.microsoft.com/office/drawing/2014/main" id="{09A4CF15-CDC0-4FCA-8897-7AC52D9869C5}"/>
+              </a:ext>
+            </a:extLst>
+          </p:cNvPr>
+          <p:cNvPicPr>
+            <a:picLocks noChangeAspect="1"/>
+          </p:cNvPicPr>
+          <p:nvPr/>
+        </p:nvPicPr>
+        <p:blipFill>
+          <a:blip r:embed="rId3"/>
+          <a:stretch>
+            <a:fillRect/>
+          </a:stretch>
+        </p:blipFill>
+        <p:spPr>
+          <a:xfrm>
+            <a:off x="5593925" y="1366190"/>
+            <a:ext cx="6193856" cy="5092325"/>
+          </a:xfrm>
+          <a:prstGeom prst="rect">
+            <a:avLst/>
+          </a:prstGeom>
+        </p:spPr>
+      </p:pic>
+    </p:spTree>
+    <p:extLst>
+      <p:ext uri="{BB962C8B-B14F-4D97-AF65-F5344CB8AC3E}">
+        <p14:creationId xmlns:p14="http://schemas.microsoft.com/office/powerpoint/2010/main" val="3350705638"/>
+      </p:ext>
+    </p:extLst>
+  </p:cSld>
+  <p:clrMapOvr>
+    <a:masterClrMapping/>
+  </p:clrMapOvr>
+</p:sld>
+</file>
+
+<file path=ppt/slides/slide8.xml><?xml version="1.0" encoding="utf-8"?>
+<p:sld xmlns:a="http://schemas.openxmlformats.org/drawingml/2006/main" xmlns:r="http://schemas.openxmlformats.org/officeDocument/2006/relationships" xmlns:p="http://schemas.openxmlformats.org/presentationml/2006/main">
+  <p:cSld>
+    <p:spTree>
+      <p:nvGrpSpPr>
+        <p:cNvPr id="1" name=""/>
+        <p:cNvGrpSpPr/>
+        <p:nvPr/>
+      </p:nvGrpSpPr>
+      <p:grpSpPr>
+        <a:xfrm>
+          <a:off x="0" y="0"/>
+          <a:ext cx="0" cy="0"/>
+          <a:chOff x="0" y="0"/>
+          <a:chExt cx="0" cy="0"/>
+        </a:xfrm>
+      </p:grpSpPr>
+      <p:sp>
+        <p:nvSpPr>
+          <p:cNvPr id="2" name="Title 1">
+            <a:extLst>
+              <a:ext uri="{FF2B5EF4-FFF2-40B4-BE49-F238E27FC236}">
                 <a16:creationId xmlns:a16="http://schemas.microsoft.com/office/drawing/2014/main" id="{59E3AEE0-7003-4E6F-82A8-008F17917E69}"/>
               </a:ext>
             </a:extLst>
@@ -5536,7 +5874,7 @@
             <p:ph idx="1"/>
             <p:extLst>
               <p:ext uri="{D42A27DB-BD31-4B8C-83A1-F6EECF244321}">
-                <p14:modId xmlns:p14="http://schemas.microsoft.com/office/powerpoint/2010/main" val="3294694423"/>
+                <p14:modId xmlns:p14="http://schemas.microsoft.com/office/powerpoint/2010/main" val="3753342883"/>
               </p:ext>
             </p:extLst>
           </p:nvPr>
@@ -5763,9 +6101,10 @@
                     <a:lstStyle/>
                     <a:p>
                       <a:r>
-                        <a:rPr lang="en-US" dirty="0"/>
-                        <a:t>48%</a:t>
+                        <a:rPr lang="en-US"/>
+                        <a:t>51%</a:t>
                       </a:r>
+                      <a:endParaRPr lang="en-US" dirty="0"/>
                     </a:p>
                   </a:txBody>
                   <a:tcPr/>
